--- a/Node_ERP_V2/document/ERP_포트폴리오.pptx
+++ b/Node_ERP_V2/document/ERP_포트폴리오.pptx
@@ -9,9 +9,12 @@
     <p:sldId id="260" r:id="rId3"/>
     <p:sldId id="259" r:id="rId4"/>
     <p:sldId id="257" r:id="rId5"/>
-    <p:sldId id="261" r:id="rId6"/>
-    <p:sldId id="262" r:id="rId7"/>
-    <p:sldId id="258" r:id="rId8"/>
+    <p:sldId id="264" r:id="rId6"/>
+    <p:sldId id="265" r:id="rId7"/>
+    <p:sldId id="261" r:id="rId8"/>
+    <p:sldId id="258" r:id="rId9"/>
+    <p:sldId id="263" r:id="rId10"/>
+    <p:sldId id="262" r:id="rId11"/>
   </p:sldIdLst>
   <p:sldSz cx="12192000" cy="6858000"/>
   <p:notesSz cx="6858000" cy="9144000"/>
@@ -1587,6 +1590,100 @@
 </p:sld>
 </file>
 
+<file path=ppt/slides/slide10.xml><?xml version="1.0" encoding="utf-8"?>
+<p:sld xmlns:a="http://schemas.openxmlformats.org/drawingml/2006/main" xmlns:r="http://schemas.openxmlformats.org/officeDocument/2006/relationships" xmlns:p="http://schemas.openxmlformats.org/presentationml/2006/main">
+  <p:cSld>
+    <p:spTree>
+      <p:nvGrpSpPr>
+        <p:cNvPr id="1" name=""/>
+        <p:cNvGrpSpPr/>
+        <p:nvPr/>
+      </p:nvGrpSpPr>
+      <p:grpSpPr>
+        <a:xfrm>
+          <a:off x="0" y="0"/>
+          <a:ext cx="0" cy="0"/>
+          <a:chOff x="0" y="0"/>
+          <a:chExt cx="0" cy="0"/>
+        </a:xfrm>
+      </p:grpSpPr>
+      <p:sp>
+        <p:nvSpPr>
+          <p:cNvPr id="2" name="제목 1">
+            <a:extLst>
+              <a:ext uri="{FF2B5EF4-FFF2-40B4-BE49-F238E27FC236}">
+                <a16:creationId xmlns:a16="http://schemas.microsoft.com/office/drawing/2014/main" id="{95365E69-D0C0-F375-5D55-00708C6D2A46}"/>
+              </a:ext>
+            </a:extLst>
+          </p:cNvPr>
+          <p:cNvSpPr>
+            <a:spLocks noGrp="1"/>
+          </p:cNvSpPr>
+          <p:nvPr>
+            <p:ph type="title"/>
+          </p:nvPr>
+        </p:nvSpPr>
+        <p:spPr/>
+        <p:txBody>
+          <a:bodyPr>
+            <a:normAutofit fontScale="90000"/>
+          </a:bodyPr>
+          <a:lstStyle/>
+          <a:p>
+            <a:r>
+              <a:rPr lang="en-US" altLang="ko-KR" dirty="0"/>
+              <a:t>ERD-</a:t>
+            </a:r>
+            <a:r>
+              <a:rPr lang="ko-KR" altLang="en-US" dirty="0"/>
+              <a:t>사용자정보</a:t>
+            </a:r>
+          </a:p>
+        </p:txBody>
+      </p:sp>
+      <p:pic>
+        <p:nvPicPr>
+          <p:cNvPr id="4" name="그림 3">
+            <a:extLst>
+              <a:ext uri="{FF2B5EF4-FFF2-40B4-BE49-F238E27FC236}">
+                <a16:creationId xmlns:a16="http://schemas.microsoft.com/office/drawing/2014/main" id="{32235AAA-4411-A011-224D-CABE853D10C8}"/>
+              </a:ext>
+            </a:extLst>
+          </p:cNvPr>
+          <p:cNvPicPr>
+            <a:picLocks noChangeAspect="1"/>
+          </p:cNvPicPr>
+          <p:nvPr/>
+        </p:nvPicPr>
+        <p:blipFill>
+          <a:blip r:embed="rId2"/>
+          <a:stretch>
+            <a:fillRect/>
+          </a:stretch>
+        </p:blipFill>
+        <p:spPr>
+          <a:xfrm>
+            <a:off x="3466733" y="1708957"/>
+            <a:ext cx="5258534" cy="3153215"/>
+          </a:xfrm>
+          <a:prstGeom prst="rect">
+            <a:avLst/>
+          </a:prstGeom>
+        </p:spPr>
+      </p:pic>
+    </p:spTree>
+    <p:extLst>
+      <p:ext uri="{BB962C8B-B14F-4D97-AF65-F5344CB8AC3E}">
+        <p14:creationId xmlns:p14="http://schemas.microsoft.com/office/powerpoint/2010/main" val="873653140"/>
+      </p:ext>
+    </p:extLst>
+  </p:cSld>
+  <p:clrMapOvr>
+    <a:masterClrMapping/>
+  </p:clrMapOvr>
+</p:sld>
+</file>
+
 <file path=ppt/slides/slide2.xml><?xml version="1.0" encoding="utf-8"?>
 <p:sld xmlns:a="http://schemas.openxmlformats.org/drawingml/2006/main" xmlns:r="http://schemas.openxmlformats.org/officeDocument/2006/relationships" xmlns:p="http://schemas.openxmlformats.org/presentationml/2006/main">
   <p:cSld>
@@ -2886,7 +2983,7 @@
         </p:blipFill>
         <p:spPr bwMode="auto">
           <a:xfrm>
-            <a:off x="1157287" y="1298090"/>
+            <a:off x="1157287" y="1289125"/>
             <a:ext cx="9877425" cy="5111564"/>
           </a:xfrm>
           <a:prstGeom prst="rect">
@@ -2939,7 +3036,7 @@
           <p:cNvPr id="2" name="제목 1">
             <a:extLst>
               <a:ext uri="{FF2B5EF4-FFF2-40B4-BE49-F238E27FC236}">
-                <a16:creationId xmlns:a16="http://schemas.microsoft.com/office/drawing/2014/main" id="{8D7F6D79-5547-004D-93E8-061168F17B35}"/>
+                <a16:creationId xmlns:a16="http://schemas.microsoft.com/office/drawing/2014/main" id="{2D92F7E8-B18F-45BC-A071-08D70ADC03B2}"/>
               </a:ext>
             </a:extLst>
           </p:cNvPr>
@@ -2952,19 +3049,36 @@
         </p:nvSpPr>
         <p:spPr/>
         <p:txBody>
-          <a:bodyPr/>
+          <a:bodyPr>
+            <a:normAutofit fontScale="90000"/>
+          </a:bodyPr>
           <a:lstStyle/>
           <a:p>
-            <a:endParaRPr lang="ko-KR" altLang="en-US" dirty="0"/>
+            <a:r>
+              <a:rPr lang="en-US" altLang="ko-KR" dirty="0"/>
+              <a:t>Table </a:t>
+            </a:r>
+            <a:r>
+              <a:rPr lang="ko-KR" altLang="en-US" dirty="0"/>
+              <a:t>설계 </a:t>
+            </a:r>
+            <a:r>
+              <a:rPr lang="en-US" altLang="ko-KR" dirty="0"/>
+              <a:t>– </a:t>
+            </a:r>
+            <a:r>
+              <a:rPr lang="ko-KR" altLang="en-US" dirty="0"/>
+              <a:t>상품 정보</a:t>
+            </a:r>
           </a:p>
         </p:txBody>
       </p:sp>
       <p:pic>
         <p:nvPicPr>
-          <p:cNvPr id="4" name="그림 3">
-            <a:extLst>
-              <a:ext uri="{FF2B5EF4-FFF2-40B4-BE49-F238E27FC236}">
-                <a16:creationId xmlns:a16="http://schemas.microsoft.com/office/drawing/2014/main" id="{CB7AE2DF-3F52-9F0C-95E9-863C704854FA}"/>
+          <p:cNvPr id="6" name="그림 5">
+            <a:extLst>
+              <a:ext uri="{FF2B5EF4-FFF2-40B4-BE49-F238E27FC236}">
+                <a16:creationId xmlns:a16="http://schemas.microsoft.com/office/drawing/2014/main" id="{62B45130-84EE-7469-956C-940BCD879C2D}"/>
               </a:ext>
             </a:extLst>
           </p:cNvPr>
@@ -2981,8 +3095,8 @@
         </p:blipFill>
         <p:spPr>
           <a:xfrm>
-            <a:off x="1256624" y="1347497"/>
-            <a:ext cx="9678751" cy="4163006"/>
+            <a:off x="1151382" y="1286800"/>
+            <a:ext cx="9889236" cy="5134356"/>
           </a:xfrm>
           <a:prstGeom prst="rect">
             <a:avLst/>
@@ -2992,7 +3106,7 @@
     </p:spTree>
     <p:extLst>
       <p:ext uri="{BB962C8B-B14F-4D97-AF65-F5344CB8AC3E}">
-        <p14:creationId xmlns:p14="http://schemas.microsoft.com/office/powerpoint/2010/main" val="2936828009"/>
+        <p14:creationId xmlns:p14="http://schemas.microsoft.com/office/powerpoint/2010/main" val="703190234"/>
       </p:ext>
     </p:extLst>
   </p:cSld>
@@ -3024,7 +3138,7 @@
           <p:cNvPr id="2" name="제목 1">
             <a:extLst>
               <a:ext uri="{FF2B5EF4-FFF2-40B4-BE49-F238E27FC236}">
-                <a16:creationId xmlns:a16="http://schemas.microsoft.com/office/drawing/2014/main" id="{95365E69-D0C0-F375-5D55-00708C6D2A46}"/>
+                <a16:creationId xmlns:a16="http://schemas.microsoft.com/office/drawing/2014/main" id="{29FE0BC6-CF73-891F-6C11-97D94F106EF0}"/>
               </a:ext>
             </a:extLst>
           </p:cNvPr>
@@ -3044,21 +3158,29 @@
           <a:p>
             <a:r>
               <a:rPr lang="en-US" altLang="ko-KR" dirty="0"/>
-              <a:t>ERD-</a:t>
+              <a:t>Table </a:t>
             </a:r>
             <a:r>
               <a:rPr lang="ko-KR" altLang="en-US" dirty="0"/>
-              <a:t>사용자정보</a:t>
+              <a:t>설계 </a:t>
+            </a:r>
+            <a:r>
+              <a:rPr lang="en-US" altLang="ko-KR" dirty="0"/>
+              <a:t>– </a:t>
+            </a:r>
+            <a:r>
+              <a:rPr lang="ko-KR" altLang="en-US" dirty="0"/>
+              <a:t>사용자 정보</a:t>
             </a:r>
           </a:p>
         </p:txBody>
       </p:sp>
       <p:pic>
         <p:nvPicPr>
-          <p:cNvPr id="4" name="그림 3">
-            <a:extLst>
-              <a:ext uri="{FF2B5EF4-FFF2-40B4-BE49-F238E27FC236}">
-                <a16:creationId xmlns:a16="http://schemas.microsoft.com/office/drawing/2014/main" id="{32235AAA-4411-A011-224D-CABE853D10C8}"/>
+          <p:cNvPr id="6" name="그림 5">
+            <a:extLst>
+              <a:ext uri="{FF2B5EF4-FFF2-40B4-BE49-F238E27FC236}">
+                <a16:creationId xmlns:a16="http://schemas.microsoft.com/office/drawing/2014/main" id="{E45BE169-5DF1-64E6-AF49-FAF25064200C}"/>
               </a:ext>
             </a:extLst>
           </p:cNvPr>
@@ -3075,8 +3197,8 @@
         </p:blipFill>
         <p:spPr>
           <a:xfrm>
-            <a:off x="3466733" y="1708957"/>
-            <a:ext cx="5258534" cy="3153215"/>
+            <a:off x="1087825" y="1277835"/>
+            <a:ext cx="10428732" cy="5134356"/>
           </a:xfrm>
           <a:prstGeom prst="rect">
             <a:avLst/>
@@ -3086,7 +3208,7 @@
     </p:spTree>
     <p:extLst>
       <p:ext uri="{BB962C8B-B14F-4D97-AF65-F5344CB8AC3E}">
-        <p14:creationId xmlns:p14="http://schemas.microsoft.com/office/powerpoint/2010/main" val="873653140"/>
+        <p14:creationId xmlns:p14="http://schemas.microsoft.com/office/powerpoint/2010/main" val="3363747859"/>
       </p:ext>
     </p:extLst>
   </p:cSld>
@@ -3118,6 +3240,93 @@
           <p:cNvPr id="2" name="제목 1">
             <a:extLst>
               <a:ext uri="{FF2B5EF4-FFF2-40B4-BE49-F238E27FC236}">
+                <a16:creationId xmlns:a16="http://schemas.microsoft.com/office/drawing/2014/main" id="{8D7F6D79-5547-004D-93E8-061168F17B35}"/>
+              </a:ext>
+            </a:extLst>
+          </p:cNvPr>
+          <p:cNvSpPr>
+            <a:spLocks noGrp="1"/>
+          </p:cNvSpPr>
+          <p:nvPr>
+            <p:ph type="title"/>
+          </p:nvPr>
+        </p:nvSpPr>
+        <p:spPr/>
+        <p:txBody>
+          <a:bodyPr>
+            <a:normAutofit fontScale="90000"/>
+          </a:bodyPr>
+          <a:lstStyle/>
+          <a:p>
+            <a:endParaRPr lang="ko-KR" altLang="en-US" dirty="0"/>
+          </a:p>
+        </p:txBody>
+      </p:sp>
+      <p:pic>
+        <p:nvPicPr>
+          <p:cNvPr id="5" name="그림 4">
+            <a:extLst>
+              <a:ext uri="{FF2B5EF4-FFF2-40B4-BE49-F238E27FC236}">
+                <a16:creationId xmlns:a16="http://schemas.microsoft.com/office/drawing/2014/main" id="{8E739012-F832-4425-FE01-00AD32160D31}"/>
+              </a:ext>
+            </a:extLst>
+          </p:cNvPr>
+          <p:cNvPicPr>
+            <a:picLocks noChangeAspect="1"/>
+          </p:cNvPicPr>
+          <p:nvPr/>
+        </p:nvPicPr>
+        <p:blipFill>
+          <a:blip r:embed="rId2"/>
+          <a:stretch>
+            <a:fillRect/>
+          </a:stretch>
+        </p:blipFill>
+        <p:spPr>
+          <a:xfrm>
+            <a:off x="1285203" y="1135629"/>
+            <a:ext cx="9621593" cy="5268060"/>
+          </a:xfrm>
+          <a:prstGeom prst="rect">
+            <a:avLst/>
+          </a:prstGeom>
+        </p:spPr>
+      </p:pic>
+    </p:spTree>
+    <p:extLst>
+      <p:ext uri="{BB962C8B-B14F-4D97-AF65-F5344CB8AC3E}">
+        <p14:creationId xmlns:p14="http://schemas.microsoft.com/office/powerpoint/2010/main" val="2936828009"/>
+      </p:ext>
+    </p:extLst>
+  </p:cSld>
+  <p:clrMapOvr>
+    <a:masterClrMapping/>
+  </p:clrMapOvr>
+</p:sld>
+</file>
+
+<file path=ppt/slides/slide8.xml><?xml version="1.0" encoding="utf-8"?>
+<p:sld xmlns:a="http://schemas.openxmlformats.org/drawingml/2006/main" xmlns:r="http://schemas.openxmlformats.org/officeDocument/2006/relationships" xmlns:p="http://schemas.openxmlformats.org/presentationml/2006/main">
+  <p:cSld>
+    <p:spTree>
+      <p:nvGrpSpPr>
+        <p:cNvPr id="1" name=""/>
+        <p:cNvGrpSpPr/>
+        <p:nvPr/>
+      </p:nvGrpSpPr>
+      <p:grpSpPr>
+        <a:xfrm>
+          <a:off x="0" y="0"/>
+          <a:ext cx="0" cy="0"/>
+          <a:chOff x="0" y="0"/>
+          <a:chExt cx="0" cy="0"/>
+        </a:xfrm>
+      </p:grpSpPr>
+      <p:sp>
+        <p:nvSpPr>
+          <p:cNvPr id="2" name="제목 1">
+            <a:extLst>
+              <a:ext uri="{FF2B5EF4-FFF2-40B4-BE49-F238E27FC236}">
                 <a16:creationId xmlns:a16="http://schemas.microsoft.com/office/drawing/2014/main" id="{827F8589-9BEF-C2D5-398C-427C18749A3B}"/>
               </a:ext>
             </a:extLst>
@@ -3181,6 +3390,100 @@
     <p:extLst>
       <p:ext uri="{BB962C8B-B14F-4D97-AF65-F5344CB8AC3E}">
         <p14:creationId xmlns:p14="http://schemas.microsoft.com/office/powerpoint/2010/main" val="266463141"/>
+      </p:ext>
+    </p:extLst>
+  </p:cSld>
+  <p:clrMapOvr>
+    <a:masterClrMapping/>
+  </p:clrMapOvr>
+</p:sld>
+</file>
+
+<file path=ppt/slides/slide9.xml><?xml version="1.0" encoding="utf-8"?>
+<p:sld xmlns:a="http://schemas.openxmlformats.org/drawingml/2006/main" xmlns:r="http://schemas.openxmlformats.org/officeDocument/2006/relationships" xmlns:p="http://schemas.openxmlformats.org/presentationml/2006/main">
+  <p:cSld>
+    <p:spTree>
+      <p:nvGrpSpPr>
+        <p:cNvPr id="1" name=""/>
+        <p:cNvGrpSpPr/>
+        <p:nvPr/>
+      </p:nvGrpSpPr>
+      <p:grpSpPr>
+        <a:xfrm>
+          <a:off x="0" y="0"/>
+          <a:ext cx="0" cy="0"/>
+          <a:chOff x="0" y="0"/>
+          <a:chExt cx="0" cy="0"/>
+        </a:xfrm>
+      </p:grpSpPr>
+      <p:sp>
+        <p:nvSpPr>
+          <p:cNvPr id="2" name="제목 1">
+            <a:extLst>
+              <a:ext uri="{FF2B5EF4-FFF2-40B4-BE49-F238E27FC236}">
+                <a16:creationId xmlns:a16="http://schemas.microsoft.com/office/drawing/2014/main" id="{95365E69-D0C0-F375-5D55-00708C6D2A46}"/>
+              </a:ext>
+            </a:extLst>
+          </p:cNvPr>
+          <p:cNvSpPr>
+            <a:spLocks noGrp="1"/>
+          </p:cNvSpPr>
+          <p:nvPr>
+            <p:ph type="title"/>
+          </p:nvPr>
+        </p:nvSpPr>
+        <p:spPr/>
+        <p:txBody>
+          <a:bodyPr>
+            <a:normAutofit fontScale="90000"/>
+          </a:bodyPr>
+          <a:lstStyle/>
+          <a:p>
+            <a:r>
+              <a:rPr lang="en-US" altLang="ko-KR" dirty="0"/>
+              <a:t>ERD-</a:t>
+            </a:r>
+            <a:r>
+              <a:rPr lang="ko-KR" altLang="en-US" dirty="0"/>
+              <a:t>상품정보</a:t>
+            </a:r>
+          </a:p>
+        </p:txBody>
+      </p:sp>
+      <p:pic>
+        <p:nvPicPr>
+          <p:cNvPr id="5" name="그림 4">
+            <a:extLst>
+              <a:ext uri="{FF2B5EF4-FFF2-40B4-BE49-F238E27FC236}">
+                <a16:creationId xmlns:a16="http://schemas.microsoft.com/office/drawing/2014/main" id="{459F3C1E-74ED-1DA6-E845-897B0D765D7A}"/>
+              </a:ext>
+            </a:extLst>
+          </p:cNvPr>
+          <p:cNvPicPr>
+            <a:picLocks noChangeAspect="1"/>
+          </p:cNvPicPr>
+          <p:nvPr/>
+        </p:nvPicPr>
+        <p:blipFill>
+          <a:blip r:embed="rId2"/>
+          <a:stretch>
+            <a:fillRect/>
+          </a:stretch>
+        </p:blipFill>
+        <p:spPr>
+          <a:xfrm>
+            <a:off x="4138339" y="1990524"/>
+            <a:ext cx="3915321" cy="2876951"/>
+          </a:xfrm>
+          <a:prstGeom prst="rect">
+            <a:avLst/>
+          </a:prstGeom>
+        </p:spPr>
+      </p:pic>
+    </p:spTree>
+    <p:extLst>
+      <p:ext uri="{BB962C8B-B14F-4D97-AF65-F5344CB8AC3E}">
+        <p14:creationId xmlns:p14="http://schemas.microsoft.com/office/powerpoint/2010/main" val="890083314"/>
       </p:ext>
     </p:extLst>
   </p:cSld>
